--- a/documents/paper_data/ECAI/TEG_shift.pptx
+++ b/documents/paper_data/ECAI/TEG_shift.pptx
@@ -243,7 +243,7 @@
           <a:p>
             <a:fld id="{B45AE070-E467-4E06-80EB-569A65CBB189}" type="datetimeFigureOut">
               <a:rPr lang="cs-CZ" smtClean="0"/>
-              <a:t>05.05.2025</a:t>
+              <a:t>28.07.2025</a:t>
             </a:fld>
             <a:endParaRPr lang="cs-CZ"/>
           </a:p>
@@ -413,7 +413,7 @@
           <a:p>
             <a:fld id="{B45AE070-E467-4E06-80EB-569A65CBB189}" type="datetimeFigureOut">
               <a:rPr lang="cs-CZ" smtClean="0"/>
-              <a:t>05.05.2025</a:t>
+              <a:t>28.07.2025</a:t>
             </a:fld>
             <a:endParaRPr lang="cs-CZ"/>
           </a:p>
@@ -593,7 +593,7 @@
           <a:p>
             <a:fld id="{B45AE070-E467-4E06-80EB-569A65CBB189}" type="datetimeFigureOut">
               <a:rPr lang="cs-CZ" smtClean="0"/>
-              <a:t>05.05.2025</a:t>
+              <a:t>28.07.2025</a:t>
             </a:fld>
             <a:endParaRPr lang="cs-CZ"/>
           </a:p>
@@ -763,7 +763,7 @@
           <a:p>
             <a:fld id="{B45AE070-E467-4E06-80EB-569A65CBB189}" type="datetimeFigureOut">
               <a:rPr lang="cs-CZ" smtClean="0"/>
-              <a:t>05.05.2025</a:t>
+              <a:t>28.07.2025</a:t>
             </a:fld>
             <a:endParaRPr lang="cs-CZ"/>
           </a:p>
@@ -1009,7 +1009,7 @@
           <a:p>
             <a:fld id="{B45AE070-E467-4E06-80EB-569A65CBB189}" type="datetimeFigureOut">
               <a:rPr lang="cs-CZ" smtClean="0"/>
-              <a:t>05.05.2025</a:t>
+              <a:t>28.07.2025</a:t>
             </a:fld>
             <a:endParaRPr lang="cs-CZ"/>
           </a:p>
@@ -1241,7 +1241,7 @@
           <a:p>
             <a:fld id="{B45AE070-E467-4E06-80EB-569A65CBB189}" type="datetimeFigureOut">
               <a:rPr lang="cs-CZ" smtClean="0"/>
-              <a:t>05.05.2025</a:t>
+              <a:t>28.07.2025</a:t>
             </a:fld>
             <a:endParaRPr lang="cs-CZ"/>
           </a:p>
@@ -1608,7 +1608,7 @@
           <a:p>
             <a:fld id="{B45AE070-E467-4E06-80EB-569A65CBB189}" type="datetimeFigureOut">
               <a:rPr lang="cs-CZ" smtClean="0"/>
-              <a:t>05.05.2025</a:t>
+              <a:t>28.07.2025</a:t>
             </a:fld>
             <a:endParaRPr lang="cs-CZ"/>
           </a:p>
@@ -1726,7 +1726,7 @@
           <a:p>
             <a:fld id="{B45AE070-E467-4E06-80EB-569A65CBB189}" type="datetimeFigureOut">
               <a:rPr lang="cs-CZ" smtClean="0"/>
-              <a:t>05.05.2025</a:t>
+              <a:t>28.07.2025</a:t>
             </a:fld>
             <a:endParaRPr lang="cs-CZ"/>
           </a:p>
@@ -1821,7 +1821,7 @@
           <a:p>
             <a:fld id="{B45AE070-E467-4E06-80EB-569A65CBB189}" type="datetimeFigureOut">
               <a:rPr lang="cs-CZ" smtClean="0"/>
-              <a:t>05.05.2025</a:t>
+              <a:t>28.07.2025</a:t>
             </a:fld>
             <a:endParaRPr lang="cs-CZ"/>
           </a:p>
@@ -2098,7 +2098,7 @@
           <a:p>
             <a:fld id="{B45AE070-E467-4E06-80EB-569A65CBB189}" type="datetimeFigureOut">
               <a:rPr lang="cs-CZ" smtClean="0"/>
-              <a:t>05.05.2025</a:t>
+              <a:t>28.07.2025</a:t>
             </a:fld>
             <a:endParaRPr lang="cs-CZ"/>
           </a:p>
@@ -2355,7 +2355,7 @@
           <a:p>
             <a:fld id="{B45AE070-E467-4E06-80EB-569A65CBB189}" type="datetimeFigureOut">
               <a:rPr lang="cs-CZ" smtClean="0"/>
-              <a:t>05.05.2025</a:t>
+              <a:t>28.07.2025</a:t>
             </a:fld>
             <a:endParaRPr lang="cs-CZ"/>
           </a:p>
@@ -2568,7 +2568,7 @@
           <a:p>
             <a:fld id="{B45AE070-E467-4E06-80EB-569A65CBB189}" type="datetimeFigureOut">
               <a:rPr lang="cs-CZ" smtClean="0"/>
-              <a:t>05.05.2025</a:t>
+              <a:t>28.07.2025</a:t>
             </a:fld>
             <a:endParaRPr lang="cs-CZ"/>
           </a:p>
@@ -6181,7 +6181,7 @@
         <p:spPr>
           <a:xfrm>
             <a:off x="245136" y="-18694"/>
-            <a:ext cx="308098" cy="369332"/>
+            <a:ext cx="349776" cy="461665"/>
           </a:xfrm>
           <a:prstGeom prst="rect">
             <a:avLst/>
@@ -6195,10 +6195,9 @@
           <a:lstStyle/>
           <a:p>
             <a:r>
-              <a:rPr lang="en-US" dirty="0"/>
-              <a:t>0</a:t>
+              <a:rPr lang="cs-CZ" sz="2400" dirty="0"/>
+              <a:t>1</a:t>
             </a:r>
-            <a:endParaRPr lang="cs-CZ" dirty="0"/>
           </a:p>
         </p:txBody>
       </p:sp>
@@ -6217,7 +6216,7 @@
         <p:spPr>
           <a:xfrm>
             <a:off x="1007136" y="-18694"/>
-            <a:ext cx="308098" cy="369332"/>
+            <a:ext cx="349776" cy="461665"/>
           </a:xfrm>
           <a:prstGeom prst="rect">
             <a:avLst/>
@@ -6231,10 +6230,9 @@
           <a:lstStyle/>
           <a:p>
             <a:r>
-              <a:rPr lang="en-US" dirty="0"/>
-              <a:t>1</a:t>
+              <a:rPr lang="cs-CZ" sz="2400" dirty="0"/>
+              <a:t>2</a:t>
             </a:r>
-            <a:endParaRPr lang="cs-CZ" dirty="0"/>
           </a:p>
         </p:txBody>
       </p:sp>
@@ -6253,7 +6251,7 @@
         <p:spPr>
           <a:xfrm>
             <a:off x="1769134" y="-18694"/>
-            <a:ext cx="308098" cy="369332"/>
+            <a:ext cx="349776" cy="461665"/>
           </a:xfrm>
           <a:prstGeom prst="rect">
             <a:avLst/>
@@ -6267,10 +6265,9 @@
           <a:lstStyle/>
           <a:p>
             <a:r>
-              <a:rPr lang="en-US" dirty="0"/>
-              <a:t>2</a:t>
+              <a:rPr lang="cs-CZ" sz="2400" dirty="0"/>
+              <a:t>3</a:t>
             </a:r>
-            <a:endParaRPr lang="cs-CZ" dirty="0"/>
           </a:p>
         </p:txBody>
       </p:sp>
@@ -6289,7 +6286,7 @@
         <p:spPr>
           <a:xfrm>
             <a:off x="2531130" y="-3955"/>
-            <a:ext cx="308098" cy="369332"/>
+            <a:ext cx="349776" cy="461665"/>
           </a:xfrm>
           <a:prstGeom prst="rect">
             <a:avLst/>
@@ -6303,10 +6300,9 @@
           <a:lstStyle/>
           <a:p>
             <a:r>
-              <a:rPr lang="en-US" dirty="0"/>
-              <a:t>3</a:t>
+              <a:rPr lang="cs-CZ" sz="2400" dirty="0"/>
+              <a:t>4</a:t>
             </a:r>
-            <a:endParaRPr lang="cs-CZ" dirty="0"/>
           </a:p>
         </p:txBody>
       </p:sp>
@@ -6325,7 +6321,7 @@
         <p:spPr>
           <a:xfrm>
             <a:off x="3293096" y="4795"/>
-            <a:ext cx="308098" cy="369332"/>
+            <a:ext cx="349776" cy="461665"/>
           </a:xfrm>
           <a:prstGeom prst="rect">
             <a:avLst/>
@@ -6339,10 +6335,9 @@
           <a:lstStyle/>
           <a:p>
             <a:r>
-              <a:rPr lang="en-US" dirty="0"/>
-              <a:t>4</a:t>
+              <a:rPr lang="cs-CZ" sz="2400" dirty="0"/>
+              <a:t>5</a:t>
             </a:r>
-            <a:endParaRPr lang="cs-CZ" dirty="0"/>
           </a:p>
         </p:txBody>
       </p:sp>
@@ -6361,7 +6356,7 @@
         <p:spPr>
           <a:xfrm>
             <a:off x="4055088" y="-215"/>
-            <a:ext cx="308098" cy="369332"/>
+            <a:ext cx="349776" cy="461665"/>
           </a:xfrm>
           <a:prstGeom prst="rect">
             <a:avLst/>
@@ -6375,10 +6370,9 @@
           <a:lstStyle/>
           <a:p>
             <a:r>
-              <a:rPr lang="en-US" dirty="0"/>
-              <a:t>5</a:t>
+              <a:rPr lang="cs-CZ" sz="2400" dirty="0"/>
+              <a:t>6</a:t>
             </a:r>
-            <a:endParaRPr lang="cs-CZ" dirty="0"/>
           </a:p>
         </p:txBody>
       </p:sp>
@@ -6397,7 +6391,7 @@
         <p:spPr>
           <a:xfrm>
             <a:off x="4817078" y="-1984"/>
-            <a:ext cx="308098" cy="369332"/>
+            <a:ext cx="349776" cy="461665"/>
           </a:xfrm>
           <a:prstGeom prst="rect">
             <a:avLst/>
@@ -6411,10 +6405,9 @@
           <a:lstStyle/>
           <a:p>
             <a:r>
-              <a:rPr lang="en-US" dirty="0"/>
-              <a:t>6</a:t>
+              <a:rPr lang="cs-CZ" sz="2400" dirty="0"/>
+              <a:t>7</a:t>
             </a:r>
-            <a:endParaRPr lang="cs-CZ" dirty="0"/>
           </a:p>
         </p:txBody>
       </p:sp>
